--- a/classes/Physics9ab/downloads/Projectiles.pptx
+++ b/classes/Physics9ab/downloads/Projectiles.pptx
@@ -12,6 +12,9 @@
     <p:sldId id="260" r:id="rId6"/>
     <p:sldId id="261" r:id="rId7"/>
     <p:sldId id="262" r:id="rId8"/>
+    <p:sldId id="264" r:id="rId9"/>
+    <p:sldId id="265" r:id="rId10"/>
+    <p:sldId id="266" r:id="rId11"/>
   </p:sldIdLst>
   <p:sldSz cx="12192000" cy="6858000"/>
   <p:notesSz cx="6858000" cy="9144000"/>
@@ -3020,6 +3023,151 @@
     <p:extLst>
       <p:ext uri="{BB962C8B-B14F-4D97-AF65-F5344CB8AC3E}">
         <p14:creationId xmlns:p14="http://schemas.microsoft.com/office/powerpoint/2010/main" val="2563178107"/>
+      </p:ext>
+    </p:extLst>
+  </p:cSld>
+  <p:clrMapOvr>
+    <a:masterClrMapping/>
+  </p:clrMapOvr>
+  <p:timing>
+    <p:tnLst>
+      <p:par>
+        <p:cTn id="1" dur="indefinite" restart="never" nodeType="tmRoot"/>
+      </p:par>
+    </p:tnLst>
+  </p:timing>
+</p:sld>
+</file>
+
+<file path=ppt/slides/slide10.xml><?xml version="1.0" encoding="utf-8"?>
+<p:sld xmlns:a="http://schemas.openxmlformats.org/drawingml/2006/main" xmlns:r="http://schemas.openxmlformats.org/officeDocument/2006/relationships" xmlns:p="http://schemas.openxmlformats.org/presentationml/2006/main">
+  <p:cSld>
+    <p:spTree>
+      <p:nvGrpSpPr>
+        <p:cNvPr id="1" name=""/>
+        <p:cNvGrpSpPr/>
+        <p:nvPr/>
+      </p:nvGrpSpPr>
+      <p:grpSpPr>
+        <a:xfrm>
+          <a:off x="0" y="0"/>
+          <a:ext cx="0" cy="0"/>
+          <a:chOff x="0" y="0"/>
+          <a:chExt cx="0" cy="0"/>
+        </a:xfrm>
+      </p:grpSpPr>
+      <p:sp>
+        <p:nvSpPr>
+          <p:cNvPr id="7" name="Title 6"/>
+          <p:cNvSpPr>
+            <a:spLocks noGrp="1"/>
+          </p:cNvSpPr>
+          <p:nvPr>
+            <p:ph type="title"/>
+          </p:nvPr>
+        </p:nvSpPr>
+        <p:spPr/>
+        <p:txBody>
+          <a:bodyPr/>
+          <a:lstStyle/>
+          <a:p>
+            <a:r>
+              <a:rPr lang="en-US" dirty="0" smtClean="0"/>
+              <a:t>Problem solving</a:t>
+            </a:r>
+            <a:endParaRPr lang="en-US" dirty="0"/>
+          </a:p>
+        </p:txBody>
+      </p:sp>
+      <p:graphicFrame>
+        <p:nvGraphicFramePr>
+          <p:cNvPr id="9" name="Content Placeholder 8"/>
+          <p:cNvGraphicFramePr>
+            <a:graphicFrameLocks noGrp="1"/>
+          </p:cNvGraphicFramePr>
+          <p:nvPr>
+            <p:ph idx="1"/>
+            <p:extLst>
+              <p:ext uri="{D42A27DB-BD31-4B8C-83A1-F6EECF244321}">
+                <p14:modId xmlns:p14="http://schemas.microsoft.com/office/powerpoint/2010/main" val="3250097873"/>
+              </p:ext>
+            </p:extLst>
+          </p:nvPr>
+        </p:nvGraphicFramePr>
+        <p:xfrm>
+          <a:off x="751114" y="1690688"/>
+          <a:ext cx="10883537" cy="1646215"/>
+        </p:xfrm>
+        <a:graphic>
+          <a:graphicData uri="http://schemas.openxmlformats.org/drawingml/2006/table">
+            <a:tbl>
+              <a:tblPr/>
+              <a:tblGrid>
+                <a:gridCol w="10883537">
+                  <a:extLst>
+                    <a:ext uri="{9D8B030D-6E8A-4147-A177-3AD203B41FA5}">
+                      <a16:colId xmlns:a16="http://schemas.microsoft.com/office/drawing/2014/main" val="4107650643"/>
+                    </a:ext>
+                  </a:extLst>
+                </a:gridCol>
+              </a:tblGrid>
+              <a:tr h="1646215">
+                <a:tc>
+                  <a:txBody>
+                    <a:bodyPr/>
+                    <a:lstStyle/>
+                    <a:p>
+                      <a:pPr algn="l" fontAlgn="auto"/>
+                      <a:endParaRPr lang="en-US" b="1" dirty="0">
+                        <a:solidFill>
+                          <a:srgbClr val="FF0000"/>
+                        </a:solidFill>
+                        <a:effectLst/>
+                        <a:latin typeface="oswaldbook"/>
+                      </a:endParaRPr>
+                    </a:p>
+                    <a:p>
+                      <a:pPr algn="l" fontAlgn="auto"/>
+                      <a:r>
+                        <a:rPr lang="en-US" sz="2800" dirty="0">
+                          <a:effectLst/>
+                        </a:rPr>
+                        <a:t>A football is kicked with an initial velocity of 25 m/s at an angle of 45-degrees with the horizontal. Determine the time of flight, the horizontal displacement, and the peak height of the football.</a:t>
+                      </a:r>
+                    </a:p>
+                  </a:txBody>
+                  <a:tcPr anchor="ctr">
+                    <a:lnL>
+                      <a:noFill/>
+                    </a:lnL>
+                    <a:lnR>
+                      <a:noFill/>
+                    </a:lnR>
+                    <a:lnT>
+                      <a:noFill/>
+                    </a:lnT>
+                    <a:lnB>
+                      <a:noFill/>
+                    </a:lnB>
+                    <a:solidFill>
+                      <a:srgbClr val="FFFFFF"/>
+                    </a:solidFill>
+                  </a:tcPr>
+                </a:tc>
+                <a:extLst>
+                  <a:ext uri="{0D108BD9-81ED-4DB2-BD59-A6C34878D82A}">
+                    <a16:rowId xmlns:a16="http://schemas.microsoft.com/office/drawing/2014/main" val="1028629518"/>
+                  </a:ext>
+                </a:extLst>
+              </a:tr>
+            </a:tbl>
+          </a:graphicData>
+        </a:graphic>
+      </p:graphicFrame>
+    </p:spTree>
+    <p:extLst>
+      <p:ext uri="{BB962C8B-B14F-4D97-AF65-F5344CB8AC3E}">
+        <p14:creationId xmlns:p14="http://schemas.microsoft.com/office/powerpoint/2010/main" val="231094380"/>
       </p:ext>
     </p:extLst>
   </p:cSld>
@@ -9867,6 +10015,1829 @@
 </p:sld>
 </file>
 
+<file path=ppt/slides/slide8.xml><?xml version="1.0" encoding="utf-8"?>
+<p:sld xmlns:a="http://schemas.openxmlformats.org/drawingml/2006/main" xmlns:r="http://schemas.openxmlformats.org/officeDocument/2006/relationships" xmlns:p="http://schemas.openxmlformats.org/presentationml/2006/main">
+  <p:cSld>
+    <p:spTree>
+      <p:nvGrpSpPr>
+        <p:cNvPr id="1" name=""/>
+        <p:cNvGrpSpPr/>
+        <p:nvPr/>
+      </p:nvGrpSpPr>
+      <p:grpSpPr>
+        <a:xfrm>
+          <a:off x="0" y="0"/>
+          <a:ext cx="0" cy="0"/>
+          <a:chOff x="0" y="0"/>
+          <a:chExt cx="0" cy="0"/>
+        </a:xfrm>
+      </p:grpSpPr>
+      <p:sp>
+        <p:nvSpPr>
+          <p:cNvPr id="2" name="Title 1"/>
+          <p:cNvSpPr>
+            <a:spLocks noGrp="1"/>
+          </p:cNvSpPr>
+          <p:nvPr>
+            <p:ph type="title"/>
+          </p:nvPr>
+        </p:nvSpPr>
+        <p:spPr/>
+        <p:txBody>
+          <a:bodyPr/>
+          <a:lstStyle/>
+          <a:p>
+            <a:r>
+              <a:rPr lang="en-US" dirty="0" smtClean="0"/>
+              <a:t>Non-horizontally launched projectile</a:t>
+            </a:r>
+            <a:endParaRPr lang="en-US" dirty="0"/>
+          </a:p>
+        </p:txBody>
+      </p:sp>
+      <p:sp>
+        <p:nvSpPr>
+          <p:cNvPr id="3" name="Text Placeholder 2"/>
+          <p:cNvSpPr>
+            <a:spLocks noGrp="1"/>
+          </p:cNvSpPr>
+          <p:nvPr>
+            <p:ph type="body" idx="1"/>
+          </p:nvPr>
+        </p:nvSpPr>
+        <p:spPr/>
+        <p:txBody>
+          <a:bodyPr/>
+          <a:lstStyle/>
+          <a:p>
+            <a:endParaRPr lang="en-US"/>
+          </a:p>
+        </p:txBody>
+      </p:sp>
+      <mc:AlternateContent xmlns:mc="http://schemas.openxmlformats.org/markup-compatibility/2006">
+        <mc:Choice xmlns:a14="http://schemas.microsoft.com/office/drawing/2010/main" Requires="a14">
+          <p:sp>
+            <p:nvSpPr>
+              <p:cNvPr id="4" name="Content Placeholder 3"/>
+              <p:cNvSpPr>
+                <a:spLocks noGrp="1"/>
+              </p:cNvSpPr>
+              <p:nvPr>
+                <p:ph sz="half" idx="2"/>
+              </p:nvPr>
+            </p:nvSpPr>
+            <p:spPr/>
+            <p:txBody>
+              <a:bodyPr/>
+              <a:lstStyle/>
+              <a:p>
+                <a14:m>
+                  <m:oMath xmlns:m="http://schemas.openxmlformats.org/officeDocument/2006/math">
+                    <m:bar>
+                      <m:barPr>
+                        <m:ctrlPr>
+                          <a:rPr lang="en-US" i="1" smtClean="0">
+                            <a:latin typeface="Cambria Math" panose="02040503050406030204" pitchFamily="18" charset="0"/>
+                          </a:rPr>
+                        </m:ctrlPr>
+                      </m:barPr>
+                      <m:e>
+                        <m:sSub>
+                          <m:sSubPr>
+                            <m:ctrlPr>
+                              <a:rPr lang="en-US" i="1" smtClean="0">
+                                <a:latin typeface="Cambria Math" panose="02040503050406030204" pitchFamily="18" charset="0"/>
+                              </a:rPr>
+                            </m:ctrlPr>
+                          </m:sSubPr>
+                          <m:e>
+                            <m:r>
+                              <a:rPr lang="en-US" b="0" i="1" smtClean="0">
+                                <a:latin typeface="Cambria Math" panose="02040503050406030204" pitchFamily="18" charset="0"/>
+                              </a:rPr>
+                              <m:t>𝑣</m:t>
+                            </m:r>
+                          </m:e>
+                          <m:sub>
+                            <m:r>
+                              <a:rPr lang="en-US" b="0" i="1" smtClean="0">
+                                <a:latin typeface="Cambria Math" panose="02040503050406030204" pitchFamily="18" charset="0"/>
+                              </a:rPr>
+                              <m:t>1</m:t>
+                            </m:r>
+                          </m:sub>
+                        </m:sSub>
+                      </m:e>
+                    </m:bar>
+                  </m:oMath>
+                </a14:m>
+                <a:r>
+                  <a:rPr lang="en-US" dirty="0" smtClean="0"/>
+                  <a:t>can be separated:</a:t>
+                </a:r>
+              </a:p>
+              <a:p>
+                <a:pPr lvl="1"/>
+                <a14:m>
+                  <m:oMath xmlns:m="http://schemas.openxmlformats.org/officeDocument/2006/math">
+                    <m:bar>
+                      <m:barPr>
+                        <m:ctrlPr>
+                          <a:rPr lang="en-US" i="1" smtClean="0">
+                            <a:latin typeface="Cambria Math" panose="02040503050406030204" pitchFamily="18" charset="0"/>
+                          </a:rPr>
+                        </m:ctrlPr>
+                      </m:barPr>
+                      <m:e>
+                        <m:sSub>
+                          <m:sSubPr>
+                            <m:ctrlPr>
+                              <a:rPr lang="en-US" i="1" smtClean="0">
+                                <a:latin typeface="Cambria Math" panose="02040503050406030204" pitchFamily="18" charset="0"/>
+                              </a:rPr>
+                            </m:ctrlPr>
+                          </m:sSubPr>
+                          <m:e>
+                            <m:r>
+                              <a:rPr lang="en-US" b="0" i="1" smtClean="0">
+                                <a:latin typeface="Cambria Math" panose="02040503050406030204" pitchFamily="18" charset="0"/>
+                              </a:rPr>
+                              <m:t>𝑣</m:t>
+                            </m:r>
+                          </m:e>
+                          <m:sub>
+                            <m:r>
+                              <a:rPr lang="en-US" b="0" i="1" smtClean="0">
+                                <a:latin typeface="Cambria Math" panose="02040503050406030204" pitchFamily="18" charset="0"/>
+                              </a:rPr>
+                              <m:t>𝑣</m:t>
+                            </m:r>
+                            <m:r>
+                              <a:rPr lang="en-US" b="0" i="1" smtClean="0">
+                                <a:latin typeface="Cambria Math" panose="02040503050406030204" pitchFamily="18" charset="0"/>
+                              </a:rPr>
+                              <m:t> </m:t>
+                            </m:r>
+                          </m:sub>
+                        </m:sSub>
+                      </m:e>
+                    </m:bar>
+                  </m:oMath>
+                </a14:m>
+                <a:r>
+                  <a:rPr lang="en-US" dirty="0" smtClean="0"/>
+                  <a:t>- vertically upwards</a:t>
+                </a:r>
+              </a:p>
+              <a:p>
+                <a:pPr lvl="1"/>
+                <a14:m>
+                  <m:oMath xmlns:m="http://schemas.openxmlformats.org/officeDocument/2006/math">
+                    <m:bar>
+                      <m:barPr>
+                        <m:ctrlPr>
+                          <a:rPr lang="en-US" i="1" smtClean="0">
+                            <a:latin typeface="Cambria Math" panose="02040503050406030204" pitchFamily="18" charset="0"/>
+                          </a:rPr>
+                        </m:ctrlPr>
+                      </m:barPr>
+                      <m:e>
+                        <m:sSub>
+                          <m:sSubPr>
+                            <m:ctrlPr>
+                              <a:rPr lang="en-US" i="1" smtClean="0">
+                                <a:latin typeface="Cambria Math" panose="02040503050406030204" pitchFamily="18" charset="0"/>
+                              </a:rPr>
+                            </m:ctrlPr>
+                          </m:sSubPr>
+                          <m:e>
+                            <m:r>
+                              <a:rPr lang="en-US" b="0" i="1" smtClean="0">
+                                <a:latin typeface="Cambria Math" panose="02040503050406030204" pitchFamily="18" charset="0"/>
+                              </a:rPr>
+                              <m:t>𝑣</m:t>
+                            </m:r>
+                          </m:e>
+                          <m:sub>
+                            <m:r>
+                              <a:rPr lang="en-US" b="0" i="1" smtClean="0">
+                                <a:latin typeface="Cambria Math" panose="02040503050406030204" pitchFamily="18" charset="0"/>
+                              </a:rPr>
+                              <m:t>h</m:t>
+                            </m:r>
+                            <m:r>
+                              <a:rPr lang="en-US" b="0" i="1" smtClean="0">
+                                <a:latin typeface="Cambria Math" panose="02040503050406030204" pitchFamily="18" charset="0"/>
+                              </a:rPr>
+                              <m:t> </m:t>
+                            </m:r>
+                          </m:sub>
+                        </m:sSub>
+                      </m:e>
+                    </m:bar>
+                  </m:oMath>
+                </a14:m>
+                <a:r>
+                  <a:rPr lang="en-US" dirty="0" smtClean="0"/>
+                  <a:t>- horizontally</a:t>
+                </a:r>
+              </a:p>
+              <a:p>
+                <a:r>
+                  <a:rPr lang="en-US" dirty="0" smtClean="0"/>
+                  <a:t>Two independent motions don’t influence each other</a:t>
+                </a:r>
+              </a:p>
+              <a:p>
+                <a:pPr marL="914400" lvl="1" indent="-457200">
+                  <a:buFont typeface="+mj-lt"/>
+                  <a:buAutoNum type="arabicPeriod"/>
+                </a:pPr>
+                <a:r>
+                  <a:rPr lang="en-US" dirty="0" smtClean="0"/>
+                  <a:t>Vertically launched projectile upwards</a:t>
+                </a:r>
+              </a:p>
+              <a:p>
+                <a:pPr marL="914400" lvl="1" indent="-457200">
+                  <a:buFont typeface="+mj-lt"/>
+                  <a:buAutoNum type="arabicPeriod"/>
+                </a:pPr>
+                <a:r>
+                  <a:rPr lang="en-US" dirty="0" smtClean="0"/>
+                  <a:t>Horizontally uniform motion</a:t>
+                </a:r>
+              </a:p>
+            </p:txBody>
+          </p:sp>
+        </mc:Choice>
+        <mc:Fallback>
+          <p:sp>
+            <p:nvSpPr>
+              <p:cNvPr id="4" name="Content Placeholder 3"/>
+              <p:cNvSpPr>
+                <a:spLocks noGrp="1" noRot="1" noChangeAspect="1" noMove="1" noResize="1" noEditPoints="1" noAdjustHandles="1" noChangeArrowheads="1" noChangeShapeType="1" noTextEdit="1"/>
+              </p:cNvSpPr>
+              <p:nvPr>
+                <p:ph sz="half" idx="2"/>
+              </p:nvPr>
+            </p:nvSpPr>
+            <p:spPr>
+              <a:blipFill>
+                <a:blip r:embed="rId2"/>
+                <a:stretch>
+                  <a:fillRect l="-2128" t="-2649" r="-2009"/>
+                </a:stretch>
+              </a:blipFill>
+            </p:spPr>
+            <p:txBody>
+              <a:bodyPr/>
+              <a:lstStyle/>
+              <a:p>
+                <a:r>
+                  <a:rPr lang="en-US">
+                    <a:noFill/>
+                  </a:rPr>
+                  <a:t> </a:t>
+                </a:r>
+              </a:p>
+            </p:txBody>
+          </p:sp>
+        </mc:Fallback>
+      </mc:AlternateContent>
+      <p:sp>
+        <p:nvSpPr>
+          <p:cNvPr id="5" name="Text Placeholder 4"/>
+          <p:cNvSpPr>
+            <a:spLocks noGrp="1"/>
+          </p:cNvSpPr>
+          <p:nvPr>
+            <p:ph type="body" sz="quarter" idx="3"/>
+          </p:nvPr>
+        </p:nvSpPr>
+        <p:spPr/>
+        <p:txBody>
+          <a:bodyPr/>
+          <a:lstStyle/>
+          <a:p>
+            <a:endParaRPr lang="en-US"/>
+          </a:p>
+        </p:txBody>
+      </p:sp>
+      <p:pic>
+        <p:nvPicPr>
+          <p:cNvPr id="6148" name="Picture 4" descr="Képtalálat a következőre: „non horizontally launched projectile”"/>
+          <p:cNvPicPr>
+            <a:picLocks noGrp="1" noChangeAspect="1" noChangeArrowheads="1"/>
+          </p:cNvPicPr>
+          <p:nvPr>
+            <p:ph sz="quarter" idx="4"/>
+          </p:nvPr>
+        </p:nvPicPr>
+        <p:blipFill>
+          <a:blip r:embed="rId3">
+            <a:extLst>
+              <a:ext uri="{28A0092B-C50C-407E-A947-70E740481C1C}">
+                <a14:useLocalDpi xmlns:a14="http://schemas.microsoft.com/office/drawing/2010/main" val="0"/>
+              </a:ext>
+            </a:extLst>
+          </a:blip>
+          <a:srcRect/>
+          <a:stretch>
+            <a:fillRect/>
+          </a:stretch>
+        </p:blipFill>
+        <p:spPr bwMode="auto">
+          <a:xfrm>
+            <a:off x="6801644" y="2842419"/>
+            <a:ext cx="3924300" cy="3009900"/>
+          </a:xfrm>
+          <a:prstGeom prst="rect">
+            <a:avLst/>
+          </a:prstGeom>
+          <a:noFill/>
+          <a:extLst>
+            <a:ext uri="{909E8E84-426E-40DD-AFC4-6F175D3DCCD1}">
+              <a14:hiddenFill xmlns:a14="http://schemas.microsoft.com/office/drawing/2010/main">
+                <a:solidFill>
+                  <a:srgbClr val="FFFFFF"/>
+                </a:solidFill>
+              </a14:hiddenFill>
+            </a:ext>
+          </a:extLst>
+        </p:spPr>
+      </p:pic>
+    </p:spTree>
+    <p:extLst>
+      <p:ext uri="{BB962C8B-B14F-4D97-AF65-F5344CB8AC3E}">
+        <p14:creationId xmlns:p14="http://schemas.microsoft.com/office/powerpoint/2010/main" val="982980221"/>
+      </p:ext>
+    </p:extLst>
+  </p:cSld>
+  <p:clrMapOvr>
+    <a:masterClrMapping/>
+  </p:clrMapOvr>
+  <p:timing>
+    <p:tnLst>
+      <p:par>
+        <p:cTn id="1" dur="indefinite" restart="never" nodeType="tmRoot">
+          <p:childTnLst>
+            <p:seq concurrent="1" nextAc="seek">
+              <p:cTn id="2" dur="indefinite" nodeType="mainSeq">
+                <p:childTnLst>
+                  <p:par>
+                    <p:cTn id="3" fill="hold">
+                      <p:stCondLst>
+                        <p:cond delay="indefinite"/>
+                      </p:stCondLst>
+                      <p:childTnLst>
+                        <p:par>
+                          <p:cTn id="4" fill="hold">
+                            <p:stCondLst>
+                              <p:cond delay="0"/>
+                            </p:stCondLst>
+                            <p:childTnLst>
+                              <p:par>
+                                <p:cTn id="5" presetID="42" presetClass="entr" presetSubtype="0" fill="hold" nodeType="clickEffect">
+                                  <p:stCondLst>
+                                    <p:cond delay="0"/>
+                                  </p:stCondLst>
+                                  <p:childTnLst>
+                                    <p:set>
+                                      <p:cBhvr>
+                                        <p:cTn id="6" dur="1" fill="hold">
+                                          <p:stCondLst>
+                                            <p:cond delay="0"/>
+                                          </p:stCondLst>
+                                        </p:cTn>
+                                        <p:tgtEl>
+                                          <p:spTgt spid="6148"/>
+                                        </p:tgtEl>
+                                        <p:attrNameLst>
+                                          <p:attrName>style.visibility</p:attrName>
+                                        </p:attrNameLst>
+                                      </p:cBhvr>
+                                      <p:to>
+                                        <p:strVal val="visible"/>
+                                      </p:to>
+                                    </p:set>
+                                    <p:animEffect transition="in" filter="fade">
+                                      <p:cBhvr>
+                                        <p:cTn id="7" dur="1000"/>
+                                        <p:tgtEl>
+                                          <p:spTgt spid="6148"/>
+                                        </p:tgtEl>
+                                      </p:cBhvr>
+                                    </p:animEffect>
+                                    <p:anim calcmode="lin" valueType="num">
+                                      <p:cBhvr>
+                                        <p:cTn id="8" dur="1000" fill="hold"/>
+                                        <p:tgtEl>
+                                          <p:spTgt spid="6148"/>
+                                        </p:tgtEl>
+                                        <p:attrNameLst>
+                                          <p:attrName>ppt_x</p:attrName>
+                                        </p:attrNameLst>
+                                      </p:cBhvr>
+                                      <p:tavLst>
+                                        <p:tav tm="0">
+                                          <p:val>
+                                            <p:strVal val="#ppt_x"/>
+                                          </p:val>
+                                        </p:tav>
+                                        <p:tav tm="100000">
+                                          <p:val>
+                                            <p:strVal val="#ppt_x"/>
+                                          </p:val>
+                                        </p:tav>
+                                      </p:tavLst>
+                                    </p:anim>
+                                    <p:anim calcmode="lin" valueType="num">
+                                      <p:cBhvr>
+                                        <p:cTn id="9" dur="1000" fill="hold"/>
+                                        <p:tgtEl>
+                                          <p:spTgt spid="6148"/>
+                                        </p:tgtEl>
+                                        <p:attrNameLst>
+                                          <p:attrName>ppt_y</p:attrName>
+                                        </p:attrNameLst>
+                                      </p:cBhvr>
+                                      <p:tavLst>
+                                        <p:tav tm="0">
+                                          <p:val>
+                                            <p:strVal val="#ppt_y+.1"/>
+                                          </p:val>
+                                        </p:tav>
+                                        <p:tav tm="100000">
+                                          <p:val>
+                                            <p:strVal val="#ppt_y"/>
+                                          </p:val>
+                                        </p:tav>
+                                      </p:tavLst>
+                                    </p:anim>
+                                  </p:childTnLst>
+                                </p:cTn>
+                              </p:par>
+                            </p:childTnLst>
+                          </p:cTn>
+                        </p:par>
+                      </p:childTnLst>
+                    </p:cTn>
+                  </p:par>
+                  <p:par>
+                    <p:cTn id="10" fill="hold">
+                      <p:stCondLst>
+                        <p:cond delay="indefinite"/>
+                      </p:stCondLst>
+                      <p:childTnLst>
+                        <p:par>
+                          <p:cTn id="11" fill="hold">
+                            <p:stCondLst>
+                              <p:cond delay="0"/>
+                            </p:stCondLst>
+                            <p:childTnLst>
+                              <p:par>
+                                <p:cTn id="12" presetID="2" presetClass="entr" presetSubtype="4" fill="hold" nodeType="clickEffect">
+                                  <p:stCondLst>
+                                    <p:cond delay="0"/>
+                                  </p:stCondLst>
+                                  <p:childTnLst>
+                                    <p:set>
+                                      <p:cBhvr>
+                                        <p:cTn id="13" dur="1" fill="hold">
+                                          <p:stCondLst>
+                                            <p:cond delay="0"/>
+                                          </p:stCondLst>
+                                        </p:cTn>
+                                        <p:tgtEl>
+                                          <p:spTgt spid="4">
+                                            <p:txEl>
+                                              <p:pRg st="0" end="0"/>
+                                            </p:txEl>
+                                          </p:spTgt>
+                                        </p:tgtEl>
+                                        <p:attrNameLst>
+                                          <p:attrName>style.visibility</p:attrName>
+                                        </p:attrNameLst>
+                                      </p:cBhvr>
+                                      <p:to>
+                                        <p:strVal val="visible"/>
+                                      </p:to>
+                                    </p:set>
+                                    <p:anim calcmode="lin" valueType="num">
+                                      <p:cBhvr additive="base">
+                                        <p:cTn id="14" dur="500" fill="hold"/>
+                                        <p:tgtEl>
+                                          <p:spTgt spid="4">
+                                            <p:txEl>
+                                              <p:pRg st="0" end="0"/>
+                                            </p:txEl>
+                                          </p:spTgt>
+                                        </p:tgtEl>
+                                        <p:attrNameLst>
+                                          <p:attrName>ppt_x</p:attrName>
+                                        </p:attrNameLst>
+                                      </p:cBhvr>
+                                      <p:tavLst>
+                                        <p:tav tm="0">
+                                          <p:val>
+                                            <p:strVal val="#ppt_x"/>
+                                          </p:val>
+                                        </p:tav>
+                                        <p:tav tm="100000">
+                                          <p:val>
+                                            <p:strVal val="#ppt_x"/>
+                                          </p:val>
+                                        </p:tav>
+                                      </p:tavLst>
+                                    </p:anim>
+                                    <p:anim calcmode="lin" valueType="num">
+                                      <p:cBhvr additive="base">
+                                        <p:cTn id="15" dur="500" fill="hold"/>
+                                        <p:tgtEl>
+                                          <p:spTgt spid="4">
+                                            <p:txEl>
+                                              <p:pRg st="0" end="0"/>
+                                            </p:txEl>
+                                          </p:spTgt>
+                                        </p:tgtEl>
+                                        <p:attrNameLst>
+                                          <p:attrName>ppt_y</p:attrName>
+                                        </p:attrNameLst>
+                                      </p:cBhvr>
+                                      <p:tavLst>
+                                        <p:tav tm="0">
+                                          <p:val>
+                                            <p:strVal val="1+#ppt_h/2"/>
+                                          </p:val>
+                                        </p:tav>
+                                        <p:tav tm="100000">
+                                          <p:val>
+                                            <p:strVal val="#ppt_y"/>
+                                          </p:val>
+                                        </p:tav>
+                                      </p:tavLst>
+                                    </p:anim>
+                                  </p:childTnLst>
+                                </p:cTn>
+                              </p:par>
+                            </p:childTnLst>
+                          </p:cTn>
+                        </p:par>
+                      </p:childTnLst>
+                    </p:cTn>
+                  </p:par>
+                  <p:par>
+                    <p:cTn id="16" fill="hold">
+                      <p:stCondLst>
+                        <p:cond delay="indefinite"/>
+                      </p:stCondLst>
+                      <p:childTnLst>
+                        <p:par>
+                          <p:cTn id="17" fill="hold">
+                            <p:stCondLst>
+                              <p:cond delay="0"/>
+                            </p:stCondLst>
+                            <p:childTnLst>
+                              <p:par>
+                                <p:cTn id="18" presetID="42" presetClass="entr" presetSubtype="0" fill="hold" nodeType="clickEffect">
+                                  <p:stCondLst>
+                                    <p:cond delay="0"/>
+                                  </p:stCondLst>
+                                  <p:childTnLst>
+                                    <p:set>
+                                      <p:cBhvr>
+                                        <p:cTn id="19" dur="1" fill="hold">
+                                          <p:stCondLst>
+                                            <p:cond delay="0"/>
+                                          </p:stCondLst>
+                                        </p:cTn>
+                                        <p:tgtEl>
+                                          <p:spTgt spid="4">
+                                            <p:txEl>
+                                              <p:pRg st="1" end="1"/>
+                                            </p:txEl>
+                                          </p:spTgt>
+                                        </p:tgtEl>
+                                        <p:attrNameLst>
+                                          <p:attrName>style.visibility</p:attrName>
+                                        </p:attrNameLst>
+                                      </p:cBhvr>
+                                      <p:to>
+                                        <p:strVal val="visible"/>
+                                      </p:to>
+                                    </p:set>
+                                    <p:animEffect transition="in" filter="fade">
+                                      <p:cBhvr>
+                                        <p:cTn id="20" dur="1000"/>
+                                        <p:tgtEl>
+                                          <p:spTgt spid="4">
+                                            <p:txEl>
+                                              <p:pRg st="1" end="1"/>
+                                            </p:txEl>
+                                          </p:spTgt>
+                                        </p:tgtEl>
+                                      </p:cBhvr>
+                                    </p:animEffect>
+                                    <p:anim calcmode="lin" valueType="num">
+                                      <p:cBhvr>
+                                        <p:cTn id="21" dur="1000" fill="hold"/>
+                                        <p:tgtEl>
+                                          <p:spTgt spid="4">
+                                            <p:txEl>
+                                              <p:pRg st="1" end="1"/>
+                                            </p:txEl>
+                                          </p:spTgt>
+                                        </p:tgtEl>
+                                        <p:attrNameLst>
+                                          <p:attrName>ppt_x</p:attrName>
+                                        </p:attrNameLst>
+                                      </p:cBhvr>
+                                      <p:tavLst>
+                                        <p:tav tm="0">
+                                          <p:val>
+                                            <p:strVal val="#ppt_x"/>
+                                          </p:val>
+                                        </p:tav>
+                                        <p:tav tm="100000">
+                                          <p:val>
+                                            <p:strVal val="#ppt_x"/>
+                                          </p:val>
+                                        </p:tav>
+                                      </p:tavLst>
+                                    </p:anim>
+                                    <p:anim calcmode="lin" valueType="num">
+                                      <p:cBhvr>
+                                        <p:cTn id="22" dur="1000" fill="hold"/>
+                                        <p:tgtEl>
+                                          <p:spTgt spid="4">
+                                            <p:txEl>
+                                              <p:pRg st="1" end="1"/>
+                                            </p:txEl>
+                                          </p:spTgt>
+                                        </p:tgtEl>
+                                        <p:attrNameLst>
+                                          <p:attrName>ppt_y</p:attrName>
+                                        </p:attrNameLst>
+                                      </p:cBhvr>
+                                      <p:tavLst>
+                                        <p:tav tm="0">
+                                          <p:val>
+                                            <p:strVal val="#ppt_y+.1"/>
+                                          </p:val>
+                                        </p:tav>
+                                        <p:tav tm="100000">
+                                          <p:val>
+                                            <p:strVal val="#ppt_y"/>
+                                          </p:val>
+                                        </p:tav>
+                                      </p:tavLst>
+                                    </p:anim>
+                                  </p:childTnLst>
+                                </p:cTn>
+                              </p:par>
+                            </p:childTnLst>
+                          </p:cTn>
+                        </p:par>
+                      </p:childTnLst>
+                    </p:cTn>
+                  </p:par>
+                  <p:par>
+                    <p:cTn id="23" fill="hold">
+                      <p:stCondLst>
+                        <p:cond delay="indefinite"/>
+                      </p:stCondLst>
+                      <p:childTnLst>
+                        <p:par>
+                          <p:cTn id="24" fill="hold">
+                            <p:stCondLst>
+                              <p:cond delay="0"/>
+                            </p:stCondLst>
+                            <p:childTnLst>
+                              <p:par>
+                                <p:cTn id="25" presetID="42" presetClass="entr" presetSubtype="0" fill="hold" nodeType="clickEffect">
+                                  <p:stCondLst>
+                                    <p:cond delay="0"/>
+                                  </p:stCondLst>
+                                  <p:childTnLst>
+                                    <p:set>
+                                      <p:cBhvr>
+                                        <p:cTn id="26" dur="1" fill="hold">
+                                          <p:stCondLst>
+                                            <p:cond delay="0"/>
+                                          </p:stCondLst>
+                                        </p:cTn>
+                                        <p:tgtEl>
+                                          <p:spTgt spid="4">
+                                            <p:txEl>
+                                              <p:pRg st="2" end="2"/>
+                                            </p:txEl>
+                                          </p:spTgt>
+                                        </p:tgtEl>
+                                        <p:attrNameLst>
+                                          <p:attrName>style.visibility</p:attrName>
+                                        </p:attrNameLst>
+                                      </p:cBhvr>
+                                      <p:to>
+                                        <p:strVal val="visible"/>
+                                      </p:to>
+                                    </p:set>
+                                    <p:animEffect transition="in" filter="fade">
+                                      <p:cBhvr>
+                                        <p:cTn id="27" dur="1000"/>
+                                        <p:tgtEl>
+                                          <p:spTgt spid="4">
+                                            <p:txEl>
+                                              <p:pRg st="2" end="2"/>
+                                            </p:txEl>
+                                          </p:spTgt>
+                                        </p:tgtEl>
+                                      </p:cBhvr>
+                                    </p:animEffect>
+                                    <p:anim calcmode="lin" valueType="num">
+                                      <p:cBhvr>
+                                        <p:cTn id="28" dur="1000" fill="hold"/>
+                                        <p:tgtEl>
+                                          <p:spTgt spid="4">
+                                            <p:txEl>
+                                              <p:pRg st="2" end="2"/>
+                                            </p:txEl>
+                                          </p:spTgt>
+                                        </p:tgtEl>
+                                        <p:attrNameLst>
+                                          <p:attrName>ppt_x</p:attrName>
+                                        </p:attrNameLst>
+                                      </p:cBhvr>
+                                      <p:tavLst>
+                                        <p:tav tm="0">
+                                          <p:val>
+                                            <p:strVal val="#ppt_x"/>
+                                          </p:val>
+                                        </p:tav>
+                                        <p:tav tm="100000">
+                                          <p:val>
+                                            <p:strVal val="#ppt_x"/>
+                                          </p:val>
+                                        </p:tav>
+                                      </p:tavLst>
+                                    </p:anim>
+                                    <p:anim calcmode="lin" valueType="num">
+                                      <p:cBhvr>
+                                        <p:cTn id="29" dur="1000" fill="hold"/>
+                                        <p:tgtEl>
+                                          <p:spTgt spid="4">
+                                            <p:txEl>
+                                              <p:pRg st="2" end="2"/>
+                                            </p:txEl>
+                                          </p:spTgt>
+                                        </p:tgtEl>
+                                        <p:attrNameLst>
+                                          <p:attrName>ppt_y</p:attrName>
+                                        </p:attrNameLst>
+                                      </p:cBhvr>
+                                      <p:tavLst>
+                                        <p:tav tm="0">
+                                          <p:val>
+                                            <p:strVal val="#ppt_y+.1"/>
+                                          </p:val>
+                                        </p:tav>
+                                        <p:tav tm="100000">
+                                          <p:val>
+                                            <p:strVal val="#ppt_y"/>
+                                          </p:val>
+                                        </p:tav>
+                                      </p:tavLst>
+                                    </p:anim>
+                                  </p:childTnLst>
+                                </p:cTn>
+                              </p:par>
+                            </p:childTnLst>
+                          </p:cTn>
+                        </p:par>
+                      </p:childTnLst>
+                    </p:cTn>
+                  </p:par>
+                  <p:par>
+                    <p:cTn id="30" fill="hold">
+                      <p:stCondLst>
+                        <p:cond delay="indefinite"/>
+                      </p:stCondLst>
+                      <p:childTnLst>
+                        <p:par>
+                          <p:cTn id="31" fill="hold">
+                            <p:stCondLst>
+                              <p:cond delay="0"/>
+                            </p:stCondLst>
+                            <p:childTnLst>
+                              <p:par>
+                                <p:cTn id="32" presetID="42" presetClass="entr" presetSubtype="0" fill="hold" nodeType="clickEffect">
+                                  <p:stCondLst>
+                                    <p:cond delay="0"/>
+                                  </p:stCondLst>
+                                  <p:childTnLst>
+                                    <p:set>
+                                      <p:cBhvr>
+                                        <p:cTn id="33" dur="1" fill="hold">
+                                          <p:stCondLst>
+                                            <p:cond delay="0"/>
+                                          </p:stCondLst>
+                                        </p:cTn>
+                                        <p:tgtEl>
+                                          <p:spTgt spid="4">
+                                            <p:txEl>
+                                              <p:pRg st="3" end="3"/>
+                                            </p:txEl>
+                                          </p:spTgt>
+                                        </p:tgtEl>
+                                        <p:attrNameLst>
+                                          <p:attrName>style.visibility</p:attrName>
+                                        </p:attrNameLst>
+                                      </p:cBhvr>
+                                      <p:to>
+                                        <p:strVal val="visible"/>
+                                      </p:to>
+                                    </p:set>
+                                    <p:animEffect transition="in" filter="fade">
+                                      <p:cBhvr>
+                                        <p:cTn id="34" dur="1000"/>
+                                        <p:tgtEl>
+                                          <p:spTgt spid="4">
+                                            <p:txEl>
+                                              <p:pRg st="3" end="3"/>
+                                            </p:txEl>
+                                          </p:spTgt>
+                                        </p:tgtEl>
+                                      </p:cBhvr>
+                                    </p:animEffect>
+                                    <p:anim calcmode="lin" valueType="num">
+                                      <p:cBhvr>
+                                        <p:cTn id="35" dur="1000" fill="hold"/>
+                                        <p:tgtEl>
+                                          <p:spTgt spid="4">
+                                            <p:txEl>
+                                              <p:pRg st="3" end="3"/>
+                                            </p:txEl>
+                                          </p:spTgt>
+                                        </p:tgtEl>
+                                        <p:attrNameLst>
+                                          <p:attrName>ppt_x</p:attrName>
+                                        </p:attrNameLst>
+                                      </p:cBhvr>
+                                      <p:tavLst>
+                                        <p:tav tm="0">
+                                          <p:val>
+                                            <p:strVal val="#ppt_x"/>
+                                          </p:val>
+                                        </p:tav>
+                                        <p:tav tm="100000">
+                                          <p:val>
+                                            <p:strVal val="#ppt_x"/>
+                                          </p:val>
+                                        </p:tav>
+                                      </p:tavLst>
+                                    </p:anim>
+                                    <p:anim calcmode="lin" valueType="num">
+                                      <p:cBhvr>
+                                        <p:cTn id="36" dur="1000" fill="hold"/>
+                                        <p:tgtEl>
+                                          <p:spTgt spid="4">
+                                            <p:txEl>
+                                              <p:pRg st="3" end="3"/>
+                                            </p:txEl>
+                                          </p:spTgt>
+                                        </p:tgtEl>
+                                        <p:attrNameLst>
+                                          <p:attrName>ppt_y</p:attrName>
+                                        </p:attrNameLst>
+                                      </p:cBhvr>
+                                      <p:tavLst>
+                                        <p:tav tm="0">
+                                          <p:val>
+                                            <p:strVal val="#ppt_y+.1"/>
+                                          </p:val>
+                                        </p:tav>
+                                        <p:tav tm="100000">
+                                          <p:val>
+                                            <p:strVal val="#ppt_y"/>
+                                          </p:val>
+                                        </p:tav>
+                                      </p:tavLst>
+                                    </p:anim>
+                                  </p:childTnLst>
+                                </p:cTn>
+                              </p:par>
+                            </p:childTnLst>
+                          </p:cTn>
+                        </p:par>
+                      </p:childTnLst>
+                    </p:cTn>
+                  </p:par>
+                  <p:par>
+                    <p:cTn id="37" fill="hold">
+                      <p:stCondLst>
+                        <p:cond delay="indefinite"/>
+                      </p:stCondLst>
+                      <p:childTnLst>
+                        <p:par>
+                          <p:cTn id="38" fill="hold">
+                            <p:stCondLst>
+                              <p:cond delay="0"/>
+                            </p:stCondLst>
+                            <p:childTnLst>
+                              <p:par>
+                                <p:cTn id="39" presetID="42" presetClass="entr" presetSubtype="0" fill="hold" nodeType="clickEffect">
+                                  <p:stCondLst>
+                                    <p:cond delay="0"/>
+                                  </p:stCondLst>
+                                  <p:childTnLst>
+                                    <p:set>
+                                      <p:cBhvr>
+                                        <p:cTn id="40" dur="1" fill="hold">
+                                          <p:stCondLst>
+                                            <p:cond delay="0"/>
+                                          </p:stCondLst>
+                                        </p:cTn>
+                                        <p:tgtEl>
+                                          <p:spTgt spid="4">
+                                            <p:txEl>
+                                              <p:pRg st="4" end="4"/>
+                                            </p:txEl>
+                                          </p:spTgt>
+                                        </p:tgtEl>
+                                        <p:attrNameLst>
+                                          <p:attrName>style.visibility</p:attrName>
+                                        </p:attrNameLst>
+                                      </p:cBhvr>
+                                      <p:to>
+                                        <p:strVal val="visible"/>
+                                      </p:to>
+                                    </p:set>
+                                    <p:animEffect transition="in" filter="fade">
+                                      <p:cBhvr>
+                                        <p:cTn id="41" dur="1000"/>
+                                        <p:tgtEl>
+                                          <p:spTgt spid="4">
+                                            <p:txEl>
+                                              <p:pRg st="4" end="4"/>
+                                            </p:txEl>
+                                          </p:spTgt>
+                                        </p:tgtEl>
+                                      </p:cBhvr>
+                                    </p:animEffect>
+                                    <p:anim calcmode="lin" valueType="num">
+                                      <p:cBhvr>
+                                        <p:cTn id="42" dur="1000" fill="hold"/>
+                                        <p:tgtEl>
+                                          <p:spTgt spid="4">
+                                            <p:txEl>
+                                              <p:pRg st="4" end="4"/>
+                                            </p:txEl>
+                                          </p:spTgt>
+                                        </p:tgtEl>
+                                        <p:attrNameLst>
+                                          <p:attrName>ppt_x</p:attrName>
+                                        </p:attrNameLst>
+                                      </p:cBhvr>
+                                      <p:tavLst>
+                                        <p:tav tm="0">
+                                          <p:val>
+                                            <p:strVal val="#ppt_x"/>
+                                          </p:val>
+                                        </p:tav>
+                                        <p:tav tm="100000">
+                                          <p:val>
+                                            <p:strVal val="#ppt_x"/>
+                                          </p:val>
+                                        </p:tav>
+                                      </p:tavLst>
+                                    </p:anim>
+                                    <p:anim calcmode="lin" valueType="num">
+                                      <p:cBhvr>
+                                        <p:cTn id="43" dur="1000" fill="hold"/>
+                                        <p:tgtEl>
+                                          <p:spTgt spid="4">
+                                            <p:txEl>
+                                              <p:pRg st="4" end="4"/>
+                                            </p:txEl>
+                                          </p:spTgt>
+                                        </p:tgtEl>
+                                        <p:attrNameLst>
+                                          <p:attrName>ppt_y</p:attrName>
+                                        </p:attrNameLst>
+                                      </p:cBhvr>
+                                      <p:tavLst>
+                                        <p:tav tm="0">
+                                          <p:val>
+                                            <p:strVal val="#ppt_y+.1"/>
+                                          </p:val>
+                                        </p:tav>
+                                        <p:tav tm="100000">
+                                          <p:val>
+                                            <p:strVal val="#ppt_y"/>
+                                          </p:val>
+                                        </p:tav>
+                                      </p:tavLst>
+                                    </p:anim>
+                                  </p:childTnLst>
+                                </p:cTn>
+                              </p:par>
+                            </p:childTnLst>
+                          </p:cTn>
+                        </p:par>
+                      </p:childTnLst>
+                    </p:cTn>
+                  </p:par>
+                  <p:par>
+                    <p:cTn id="44" fill="hold">
+                      <p:stCondLst>
+                        <p:cond delay="indefinite"/>
+                      </p:stCondLst>
+                      <p:childTnLst>
+                        <p:par>
+                          <p:cTn id="45" fill="hold">
+                            <p:stCondLst>
+                              <p:cond delay="0"/>
+                            </p:stCondLst>
+                            <p:childTnLst>
+                              <p:par>
+                                <p:cTn id="46" presetID="42" presetClass="entr" presetSubtype="0" fill="hold" nodeType="clickEffect">
+                                  <p:stCondLst>
+                                    <p:cond delay="0"/>
+                                  </p:stCondLst>
+                                  <p:childTnLst>
+                                    <p:set>
+                                      <p:cBhvr>
+                                        <p:cTn id="47" dur="1" fill="hold">
+                                          <p:stCondLst>
+                                            <p:cond delay="0"/>
+                                          </p:stCondLst>
+                                        </p:cTn>
+                                        <p:tgtEl>
+                                          <p:spTgt spid="4">
+                                            <p:txEl>
+                                              <p:pRg st="5" end="5"/>
+                                            </p:txEl>
+                                          </p:spTgt>
+                                        </p:tgtEl>
+                                        <p:attrNameLst>
+                                          <p:attrName>style.visibility</p:attrName>
+                                        </p:attrNameLst>
+                                      </p:cBhvr>
+                                      <p:to>
+                                        <p:strVal val="visible"/>
+                                      </p:to>
+                                    </p:set>
+                                    <p:animEffect transition="in" filter="fade">
+                                      <p:cBhvr>
+                                        <p:cTn id="48" dur="1000"/>
+                                        <p:tgtEl>
+                                          <p:spTgt spid="4">
+                                            <p:txEl>
+                                              <p:pRg st="5" end="5"/>
+                                            </p:txEl>
+                                          </p:spTgt>
+                                        </p:tgtEl>
+                                      </p:cBhvr>
+                                    </p:animEffect>
+                                    <p:anim calcmode="lin" valueType="num">
+                                      <p:cBhvr>
+                                        <p:cTn id="49" dur="1000" fill="hold"/>
+                                        <p:tgtEl>
+                                          <p:spTgt spid="4">
+                                            <p:txEl>
+                                              <p:pRg st="5" end="5"/>
+                                            </p:txEl>
+                                          </p:spTgt>
+                                        </p:tgtEl>
+                                        <p:attrNameLst>
+                                          <p:attrName>ppt_x</p:attrName>
+                                        </p:attrNameLst>
+                                      </p:cBhvr>
+                                      <p:tavLst>
+                                        <p:tav tm="0">
+                                          <p:val>
+                                            <p:strVal val="#ppt_x"/>
+                                          </p:val>
+                                        </p:tav>
+                                        <p:tav tm="100000">
+                                          <p:val>
+                                            <p:strVal val="#ppt_x"/>
+                                          </p:val>
+                                        </p:tav>
+                                      </p:tavLst>
+                                    </p:anim>
+                                    <p:anim calcmode="lin" valueType="num">
+                                      <p:cBhvr>
+                                        <p:cTn id="50" dur="1000" fill="hold"/>
+                                        <p:tgtEl>
+                                          <p:spTgt spid="4">
+                                            <p:txEl>
+                                              <p:pRg st="5" end="5"/>
+                                            </p:txEl>
+                                          </p:spTgt>
+                                        </p:tgtEl>
+                                        <p:attrNameLst>
+                                          <p:attrName>ppt_y</p:attrName>
+                                        </p:attrNameLst>
+                                      </p:cBhvr>
+                                      <p:tavLst>
+                                        <p:tav tm="0">
+                                          <p:val>
+                                            <p:strVal val="#ppt_y+.1"/>
+                                          </p:val>
+                                        </p:tav>
+                                        <p:tav tm="100000">
+                                          <p:val>
+                                            <p:strVal val="#ppt_y"/>
+                                          </p:val>
+                                        </p:tav>
+                                      </p:tavLst>
+                                    </p:anim>
+                                  </p:childTnLst>
+                                </p:cTn>
+                              </p:par>
+                            </p:childTnLst>
+                          </p:cTn>
+                        </p:par>
+                      </p:childTnLst>
+                    </p:cTn>
+                  </p:par>
+                </p:childTnLst>
+              </p:cTn>
+              <p:prevCondLst>
+                <p:cond evt="onPrev" delay="0">
+                  <p:tgtEl>
+                    <p:sldTgt/>
+                  </p:tgtEl>
+                </p:cond>
+              </p:prevCondLst>
+              <p:nextCondLst>
+                <p:cond evt="onNext" delay="0">
+                  <p:tgtEl>
+                    <p:sldTgt/>
+                  </p:tgtEl>
+                </p:cond>
+              </p:nextCondLst>
+            </p:seq>
+          </p:childTnLst>
+        </p:cTn>
+      </p:par>
+    </p:tnLst>
+  </p:timing>
+</p:sld>
+</file>
+
+<file path=ppt/slides/slide9.xml><?xml version="1.0" encoding="utf-8"?>
+<p:sld xmlns:a="http://schemas.openxmlformats.org/drawingml/2006/main" xmlns:r="http://schemas.openxmlformats.org/officeDocument/2006/relationships" xmlns:p="http://schemas.openxmlformats.org/presentationml/2006/main">
+  <p:cSld>
+    <p:spTree>
+      <p:nvGrpSpPr>
+        <p:cNvPr id="1" name=""/>
+        <p:cNvGrpSpPr/>
+        <p:nvPr/>
+      </p:nvGrpSpPr>
+      <p:grpSpPr>
+        <a:xfrm>
+          <a:off x="0" y="0"/>
+          <a:ext cx="0" cy="0"/>
+          <a:chOff x="0" y="0"/>
+          <a:chExt cx="0" cy="0"/>
+        </a:xfrm>
+      </p:grpSpPr>
+      <p:sp>
+        <p:nvSpPr>
+          <p:cNvPr id="2" name="Title 1"/>
+          <p:cNvSpPr>
+            <a:spLocks noGrp="1"/>
+          </p:cNvSpPr>
+          <p:nvPr>
+            <p:ph type="title"/>
+          </p:nvPr>
+        </p:nvSpPr>
+        <p:spPr/>
+        <p:txBody>
+          <a:bodyPr/>
+          <a:lstStyle/>
+          <a:p>
+            <a:r>
+              <a:rPr lang="en-US" dirty="0" smtClean="0"/>
+              <a:t>Non-horizontally launched projectile</a:t>
+            </a:r>
+            <a:endParaRPr lang="en-US" dirty="0"/>
+          </a:p>
+        </p:txBody>
+      </p:sp>
+      <p:sp>
+        <p:nvSpPr>
+          <p:cNvPr id="3" name="Text Placeholder 2"/>
+          <p:cNvSpPr>
+            <a:spLocks noGrp="1"/>
+          </p:cNvSpPr>
+          <p:nvPr>
+            <p:ph type="body" idx="1"/>
+          </p:nvPr>
+        </p:nvSpPr>
+        <p:spPr/>
+        <p:txBody>
+          <a:bodyPr/>
+          <a:lstStyle/>
+          <a:p>
+            <a:r>
+              <a:rPr lang="en-US" dirty="0" smtClean="0"/>
+              <a:t>We can calculate:</a:t>
+            </a:r>
+            <a:endParaRPr lang="en-US" dirty="0"/>
+          </a:p>
+        </p:txBody>
+      </p:sp>
+      <p:sp>
+        <p:nvSpPr>
+          <p:cNvPr id="4" name="Content Placeholder 3"/>
+          <p:cNvSpPr>
+            <a:spLocks noGrp="1"/>
+          </p:cNvSpPr>
+          <p:nvPr>
+            <p:ph sz="half" idx="2"/>
+          </p:nvPr>
+        </p:nvSpPr>
+        <p:spPr/>
+        <p:txBody>
+          <a:bodyPr/>
+          <a:lstStyle/>
+          <a:p>
+            <a:r>
+              <a:rPr lang="en-US" dirty="0" smtClean="0"/>
+              <a:t>Ascending and descending time from the vertically launched projectile</a:t>
+            </a:r>
+          </a:p>
+          <a:p>
+            <a:r>
+              <a:rPr lang="en-US" dirty="0" smtClean="0"/>
+              <a:t>Maximum height of the projectile </a:t>
+            </a:r>
+            <a:r>
+              <a:rPr lang="en-US" dirty="0" smtClean="0"/>
+              <a:t>from the vertically launched projectile</a:t>
+            </a:r>
+          </a:p>
+          <a:p>
+            <a:r>
+              <a:rPr lang="en-US" dirty="0" smtClean="0"/>
+              <a:t>Distance of the projectile from the horizontally uniform motion.</a:t>
+            </a:r>
+            <a:endParaRPr lang="en-US" dirty="0"/>
+          </a:p>
+        </p:txBody>
+      </p:sp>
+      <p:sp>
+        <p:nvSpPr>
+          <p:cNvPr id="5" name="Text Placeholder 4"/>
+          <p:cNvSpPr>
+            <a:spLocks noGrp="1"/>
+          </p:cNvSpPr>
+          <p:nvPr>
+            <p:ph type="body" sz="quarter" idx="3"/>
+          </p:nvPr>
+        </p:nvSpPr>
+        <p:spPr/>
+        <p:txBody>
+          <a:bodyPr/>
+          <a:lstStyle/>
+          <a:p>
+            <a:endParaRPr lang="en-US"/>
+          </a:p>
+        </p:txBody>
+      </p:sp>
+      <p:pic>
+        <p:nvPicPr>
+          <p:cNvPr id="7" name="Picture 4" descr="Képtalálat a következőre: „non horizontally launched projectile”"/>
+          <p:cNvPicPr>
+            <a:picLocks noGrp="1" noChangeAspect="1" noChangeArrowheads="1"/>
+          </p:cNvPicPr>
+          <p:nvPr>
+            <p:ph sz="quarter" idx="4"/>
+          </p:nvPr>
+        </p:nvPicPr>
+        <p:blipFill>
+          <a:blip r:embed="rId2">
+            <a:extLst>
+              <a:ext uri="{28A0092B-C50C-407E-A947-70E740481C1C}">
+                <a14:useLocalDpi xmlns:a14="http://schemas.microsoft.com/office/drawing/2010/main" val="0"/>
+              </a:ext>
+            </a:extLst>
+          </a:blip>
+          <a:srcRect/>
+          <a:stretch>
+            <a:fillRect/>
+          </a:stretch>
+        </p:blipFill>
+        <p:spPr bwMode="auto">
+          <a:xfrm>
+            <a:off x="6801644" y="2842419"/>
+            <a:ext cx="3924300" cy="3009900"/>
+          </a:xfrm>
+          <a:prstGeom prst="rect">
+            <a:avLst/>
+          </a:prstGeom>
+          <a:noFill/>
+          <a:extLst>
+            <a:ext uri="{909E8E84-426E-40DD-AFC4-6F175D3DCCD1}">
+              <a14:hiddenFill xmlns:a14="http://schemas.microsoft.com/office/drawing/2010/main">
+                <a:solidFill>
+                  <a:srgbClr val="FFFFFF"/>
+                </a:solidFill>
+              </a14:hiddenFill>
+            </a:ext>
+          </a:extLst>
+        </p:spPr>
+      </p:pic>
+    </p:spTree>
+    <p:extLst>
+      <p:ext uri="{BB962C8B-B14F-4D97-AF65-F5344CB8AC3E}">
+        <p14:creationId xmlns:p14="http://schemas.microsoft.com/office/powerpoint/2010/main" val="3000062969"/>
+      </p:ext>
+    </p:extLst>
+  </p:cSld>
+  <p:clrMapOvr>
+    <a:masterClrMapping/>
+  </p:clrMapOvr>
+  <p:timing>
+    <p:tnLst>
+      <p:par>
+        <p:cTn id="1" dur="indefinite" restart="never" nodeType="tmRoot">
+          <p:childTnLst>
+            <p:seq concurrent="1" nextAc="seek">
+              <p:cTn id="2" dur="indefinite" nodeType="mainSeq">
+                <p:childTnLst>
+                  <p:par>
+                    <p:cTn id="3" fill="hold">
+                      <p:stCondLst>
+                        <p:cond delay="indefinite"/>
+                      </p:stCondLst>
+                      <p:childTnLst>
+                        <p:par>
+                          <p:cTn id="4" fill="hold">
+                            <p:stCondLst>
+                              <p:cond delay="0"/>
+                            </p:stCondLst>
+                            <p:childTnLst>
+                              <p:par>
+                                <p:cTn id="5" presetID="42" presetClass="entr" presetSubtype="0" fill="hold" nodeType="clickEffect">
+                                  <p:stCondLst>
+                                    <p:cond delay="0"/>
+                                  </p:stCondLst>
+                                  <p:childTnLst>
+                                    <p:set>
+                                      <p:cBhvr>
+                                        <p:cTn id="6" dur="1" fill="hold">
+                                          <p:stCondLst>
+                                            <p:cond delay="0"/>
+                                          </p:stCondLst>
+                                        </p:cTn>
+                                        <p:tgtEl>
+                                          <p:spTgt spid="7"/>
+                                        </p:tgtEl>
+                                        <p:attrNameLst>
+                                          <p:attrName>style.visibility</p:attrName>
+                                        </p:attrNameLst>
+                                      </p:cBhvr>
+                                      <p:to>
+                                        <p:strVal val="visible"/>
+                                      </p:to>
+                                    </p:set>
+                                    <p:animEffect transition="in" filter="fade">
+                                      <p:cBhvr>
+                                        <p:cTn id="7" dur="1000"/>
+                                        <p:tgtEl>
+                                          <p:spTgt spid="7"/>
+                                        </p:tgtEl>
+                                      </p:cBhvr>
+                                    </p:animEffect>
+                                    <p:anim calcmode="lin" valueType="num">
+                                      <p:cBhvr>
+                                        <p:cTn id="8" dur="1000" fill="hold"/>
+                                        <p:tgtEl>
+                                          <p:spTgt spid="7"/>
+                                        </p:tgtEl>
+                                        <p:attrNameLst>
+                                          <p:attrName>ppt_x</p:attrName>
+                                        </p:attrNameLst>
+                                      </p:cBhvr>
+                                      <p:tavLst>
+                                        <p:tav tm="0">
+                                          <p:val>
+                                            <p:strVal val="#ppt_x"/>
+                                          </p:val>
+                                        </p:tav>
+                                        <p:tav tm="100000">
+                                          <p:val>
+                                            <p:strVal val="#ppt_x"/>
+                                          </p:val>
+                                        </p:tav>
+                                      </p:tavLst>
+                                    </p:anim>
+                                    <p:anim calcmode="lin" valueType="num">
+                                      <p:cBhvr>
+                                        <p:cTn id="9" dur="1000" fill="hold"/>
+                                        <p:tgtEl>
+                                          <p:spTgt spid="7"/>
+                                        </p:tgtEl>
+                                        <p:attrNameLst>
+                                          <p:attrName>ppt_y</p:attrName>
+                                        </p:attrNameLst>
+                                      </p:cBhvr>
+                                      <p:tavLst>
+                                        <p:tav tm="0">
+                                          <p:val>
+                                            <p:strVal val="#ppt_y+.1"/>
+                                          </p:val>
+                                        </p:tav>
+                                        <p:tav tm="100000">
+                                          <p:val>
+                                            <p:strVal val="#ppt_y"/>
+                                          </p:val>
+                                        </p:tav>
+                                      </p:tavLst>
+                                    </p:anim>
+                                  </p:childTnLst>
+                                </p:cTn>
+                              </p:par>
+                            </p:childTnLst>
+                          </p:cTn>
+                        </p:par>
+                      </p:childTnLst>
+                    </p:cTn>
+                  </p:par>
+                  <p:par>
+                    <p:cTn id="10" fill="hold">
+                      <p:stCondLst>
+                        <p:cond delay="indefinite"/>
+                      </p:stCondLst>
+                      <p:childTnLst>
+                        <p:par>
+                          <p:cTn id="11" fill="hold">
+                            <p:stCondLst>
+                              <p:cond delay="0"/>
+                            </p:stCondLst>
+                            <p:childTnLst>
+                              <p:par>
+                                <p:cTn id="12" presetID="42" presetClass="entr" presetSubtype="0" fill="hold" nodeType="clickEffect">
+                                  <p:stCondLst>
+                                    <p:cond delay="0"/>
+                                  </p:stCondLst>
+                                  <p:childTnLst>
+                                    <p:set>
+                                      <p:cBhvr>
+                                        <p:cTn id="13" dur="1" fill="hold">
+                                          <p:stCondLst>
+                                            <p:cond delay="0"/>
+                                          </p:stCondLst>
+                                        </p:cTn>
+                                        <p:tgtEl>
+                                          <p:spTgt spid="4">
+                                            <p:txEl>
+                                              <p:pRg st="0" end="0"/>
+                                            </p:txEl>
+                                          </p:spTgt>
+                                        </p:tgtEl>
+                                        <p:attrNameLst>
+                                          <p:attrName>style.visibility</p:attrName>
+                                        </p:attrNameLst>
+                                      </p:cBhvr>
+                                      <p:to>
+                                        <p:strVal val="visible"/>
+                                      </p:to>
+                                    </p:set>
+                                    <p:animEffect transition="in" filter="fade">
+                                      <p:cBhvr>
+                                        <p:cTn id="14" dur="1000"/>
+                                        <p:tgtEl>
+                                          <p:spTgt spid="4">
+                                            <p:txEl>
+                                              <p:pRg st="0" end="0"/>
+                                            </p:txEl>
+                                          </p:spTgt>
+                                        </p:tgtEl>
+                                      </p:cBhvr>
+                                    </p:animEffect>
+                                    <p:anim calcmode="lin" valueType="num">
+                                      <p:cBhvr>
+                                        <p:cTn id="15" dur="1000" fill="hold"/>
+                                        <p:tgtEl>
+                                          <p:spTgt spid="4">
+                                            <p:txEl>
+                                              <p:pRg st="0" end="0"/>
+                                            </p:txEl>
+                                          </p:spTgt>
+                                        </p:tgtEl>
+                                        <p:attrNameLst>
+                                          <p:attrName>ppt_x</p:attrName>
+                                        </p:attrNameLst>
+                                      </p:cBhvr>
+                                      <p:tavLst>
+                                        <p:tav tm="0">
+                                          <p:val>
+                                            <p:strVal val="#ppt_x"/>
+                                          </p:val>
+                                        </p:tav>
+                                        <p:tav tm="100000">
+                                          <p:val>
+                                            <p:strVal val="#ppt_x"/>
+                                          </p:val>
+                                        </p:tav>
+                                      </p:tavLst>
+                                    </p:anim>
+                                    <p:anim calcmode="lin" valueType="num">
+                                      <p:cBhvr>
+                                        <p:cTn id="16" dur="1000" fill="hold"/>
+                                        <p:tgtEl>
+                                          <p:spTgt spid="4">
+                                            <p:txEl>
+                                              <p:pRg st="0" end="0"/>
+                                            </p:txEl>
+                                          </p:spTgt>
+                                        </p:tgtEl>
+                                        <p:attrNameLst>
+                                          <p:attrName>ppt_y</p:attrName>
+                                        </p:attrNameLst>
+                                      </p:cBhvr>
+                                      <p:tavLst>
+                                        <p:tav tm="0">
+                                          <p:val>
+                                            <p:strVal val="#ppt_y+.1"/>
+                                          </p:val>
+                                        </p:tav>
+                                        <p:tav tm="100000">
+                                          <p:val>
+                                            <p:strVal val="#ppt_y"/>
+                                          </p:val>
+                                        </p:tav>
+                                      </p:tavLst>
+                                    </p:anim>
+                                  </p:childTnLst>
+                                </p:cTn>
+                              </p:par>
+                            </p:childTnLst>
+                          </p:cTn>
+                        </p:par>
+                      </p:childTnLst>
+                    </p:cTn>
+                  </p:par>
+                  <p:par>
+                    <p:cTn id="17" fill="hold">
+                      <p:stCondLst>
+                        <p:cond delay="indefinite"/>
+                      </p:stCondLst>
+                      <p:childTnLst>
+                        <p:par>
+                          <p:cTn id="18" fill="hold">
+                            <p:stCondLst>
+                              <p:cond delay="0"/>
+                            </p:stCondLst>
+                            <p:childTnLst>
+                              <p:par>
+                                <p:cTn id="19" presetID="42" presetClass="entr" presetSubtype="0" fill="hold" nodeType="clickEffect">
+                                  <p:stCondLst>
+                                    <p:cond delay="0"/>
+                                  </p:stCondLst>
+                                  <p:childTnLst>
+                                    <p:set>
+                                      <p:cBhvr>
+                                        <p:cTn id="20" dur="1" fill="hold">
+                                          <p:stCondLst>
+                                            <p:cond delay="0"/>
+                                          </p:stCondLst>
+                                        </p:cTn>
+                                        <p:tgtEl>
+                                          <p:spTgt spid="4">
+                                            <p:txEl>
+                                              <p:pRg st="1" end="1"/>
+                                            </p:txEl>
+                                          </p:spTgt>
+                                        </p:tgtEl>
+                                        <p:attrNameLst>
+                                          <p:attrName>style.visibility</p:attrName>
+                                        </p:attrNameLst>
+                                      </p:cBhvr>
+                                      <p:to>
+                                        <p:strVal val="visible"/>
+                                      </p:to>
+                                    </p:set>
+                                    <p:animEffect transition="in" filter="fade">
+                                      <p:cBhvr>
+                                        <p:cTn id="21" dur="1000"/>
+                                        <p:tgtEl>
+                                          <p:spTgt spid="4">
+                                            <p:txEl>
+                                              <p:pRg st="1" end="1"/>
+                                            </p:txEl>
+                                          </p:spTgt>
+                                        </p:tgtEl>
+                                      </p:cBhvr>
+                                    </p:animEffect>
+                                    <p:anim calcmode="lin" valueType="num">
+                                      <p:cBhvr>
+                                        <p:cTn id="22" dur="1000" fill="hold"/>
+                                        <p:tgtEl>
+                                          <p:spTgt spid="4">
+                                            <p:txEl>
+                                              <p:pRg st="1" end="1"/>
+                                            </p:txEl>
+                                          </p:spTgt>
+                                        </p:tgtEl>
+                                        <p:attrNameLst>
+                                          <p:attrName>ppt_x</p:attrName>
+                                        </p:attrNameLst>
+                                      </p:cBhvr>
+                                      <p:tavLst>
+                                        <p:tav tm="0">
+                                          <p:val>
+                                            <p:strVal val="#ppt_x"/>
+                                          </p:val>
+                                        </p:tav>
+                                        <p:tav tm="100000">
+                                          <p:val>
+                                            <p:strVal val="#ppt_x"/>
+                                          </p:val>
+                                        </p:tav>
+                                      </p:tavLst>
+                                    </p:anim>
+                                    <p:anim calcmode="lin" valueType="num">
+                                      <p:cBhvr>
+                                        <p:cTn id="23" dur="1000" fill="hold"/>
+                                        <p:tgtEl>
+                                          <p:spTgt spid="4">
+                                            <p:txEl>
+                                              <p:pRg st="1" end="1"/>
+                                            </p:txEl>
+                                          </p:spTgt>
+                                        </p:tgtEl>
+                                        <p:attrNameLst>
+                                          <p:attrName>ppt_y</p:attrName>
+                                        </p:attrNameLst>
+                                      </p:cBhvr>
+                                      <p:tavLst>
+                                        <p:tav tm="0">
+                                          <p:val>
+                                            <p:strVal val="#ppt_y+.1"/>
+                                          </p:val>
+                                        </p:tav>
+                                        <p:tav tm="100000">
+                                          <p:val>
+                                            <p:strVal val="#ppt_y"/>
+                                          </p:val>
+                                        </p:tav>
+                                      </p:tavLst>
+                                    </p:anim>
+                                  </p:childTnLst>
+                                </p:cTn>
+                              </p:par>
+                            </p:childTnLst>
+                          </p:cTn>
+                        </p:par>
+                      </p:childTnLst>
+                    </p:cTn>
+                  </p:par>
+                  <p:par>
+                    <p:cTn id="24" fill="hold">
+                      <p:stCondLst>
+                        <p:cond delay="indefinite"/>
+                      </p:stCondLst>
+                      <p:childTnLst>
+                        <p:par>
+                          <p:cTn id="25" fill="hold">
+                            <p:stCondLst>
+                              <p:cond delay="0"/>
+                            </p:stCondLst>
+                            <p:childTnLst>
+                              <p:par>
+                                <p:cTn id="26" presetID="42" presetClass="entr" presetSubtype="0" fill="hold" nodeType="clickEffect">
+                                  <p:stCondLst>
+                                    <p:cond delay="0"/>
+                                  </p:stCondLst>
+                                  <p:childTnLst>
+                                    <p:set>
+                                      <p:cBhvr>
+                                        <p:cTn id="27" dur="1" fill="hold">
+                                          <p:stCondLst>
+                                            <p:cond delay="0"/>
+                                          </p:stCondLst>
+                                        </p:cTn>
+                                        <p:tgtEl>
+                                          <p:spTgt spid="4">
+                                            <p:txEl>
+                                              <p:pRg st="2" end="2"/>
+                                            </p:txEl>
+                                          </p:spTgt>
+                                        </p:tgtEl>
+                                        <p:attrNameLst>
+                                          <p:attrName>style.visibility</p:attrName>
+                                        </p:attrNameLst>
+                                      </p:cBhvr>
+                                      <p:to>
+                                        <p:strVal val="visible"/>
+                                      </p:to>
+                                    </p:set>
+                                    <p:animEffect transition="in" filter="fade">
+                                      <p:cBhvr>
+                                        <p:cTn id="28" dur="1000"/>
+                                        <p:tgtEl>
+                                          <p:spTgt spid="4">
+                                            <p:txEl>
+                                              <p:pRg st="2" end="2"/>
+                                            </p:txEl>
+                                          </p:spTgt>
+                                        </p:tgtEl>
+                                      </p:cBhvr>
+                                    </p:animEffect>
+                                    <p:anim calcmode="lin" valueType="num">
+                                      <p:cBhvr>
+                                        <p:cTn id="29" dur="1000" fill="hold"/>
+                                        <p:tgtEl>
+                                          <p:spTgt spid="4">
+                                            <p:txEl>
+                                              <p:pRg st="2" end="2"/>
+                                            </p:txEl>
+                                          </p:spTgt>
+                                        </p:tgtEl>
+                                        <p:attrNameLst>
+                                          <p:attrName>ppt_x</p:attrName>
+                                        </p:attrNameLst>
+                                      </p:cBhvr>
+                                      <p:tavLst>
+                                        <p:tav tm="0">
+                                          <p:val>
+                                            <p:strVal val="#ppt_x"/>
+                                          </p:val>
+                                        </p:tav>
+                                        <p:tav tm="100000">
+                                          <p:val>
+                                            <p:strVal val="#ppt_x"/>
+                                          </p:val>
+                                        </p:tav>
+                                      </p:tavLst>
+                                    </p:anim>
+                                    <p:anim calcmode="lin" valueType="num">
+                                      <p:cBhvr>
+                                        <p:cTn id="30" dur="1000" fill="hold"/>
+                                        <p:tgtEl>
+                                          <p:spTgt spid="4">
+                                            <p:txEl>
+                                              <p:pRg st="2" end="2"/>
+                                            </p:txEl>
+                                          </p:spTgt>
+                                        </p:tgtEl>
+                                        <p:attrNameLst>
+                                          <p:attrName>ppt_y</p:attrName>
+                                        </p:attrNameLst>
+                                      </p:cBhvr>
+                                      <p:tavLst>
+                                        <p:tav tm="0">
+                                          <p:val>
+                                            <p:strVal val="#ppt_y+.1"/>
+                                          </p:val>
+                                        </p:tav>
+                                        <p:tav tm="100000">
+                                          <p:val>
+                                            <p:strVal val="#ppt_y"/>
+                                          </p:val>
+                                        </p:tav>
+                                      </p:tavLst>
+                                    </p:anim>
+                                  </p:childTnLst>
+                                </p:cTn>
+                              </p:par>
+                            </p:childTnLst>
+                          </p:cTn>
+                        </p:par>
+                      </p:childTnLst>
+                    </p:cTn>
+                  </p:par>
+                </p:childTnLst>
+              </p:cTn>
+              <p:prevCondLst>
+                <p:cond evt="onPrev" delay="0">
+                  <p:tgtEl>
+                    <p:sldTgt/>
+                  </p:tgtEl>
+                </p:cond>
+              </p:prevCondLst>
+              <p:nextCondLst>
+                <p:cond evt="onNext" delay="0">
+                  <p:tgtEl>
+                    <p:sldTgt/>
+                  </p:tgtEl>
+                </p:cond>
+              </p:nextCondLst>
+            </p:seq>
+          </p:childTnLst>
+        </p:cTn>
+      </p:par>
+    </p:tnLst>
+  </p:timing>
+</p:sld>
+</file>
+
 <file path=ppt/theme/theme1.xml><?xml version="1.0" encoding="utf-8"?>
 <a:theme xmlns:a="http://schemas.openxmlformats.org/drawingml/2006/main" name="Office Theme">
   <a:themeElements>
